--- a/docs/PourAccord_PitchDeck_v2.pptx
+++ b/docs/PourAccord_PitchDeck_v2.pptx
@@ -9153,7 +9153,23 @@
                   <a:srgbClr val="FFFFFF"/>
                 </a:solidFill>
               </a:rPr>
-              <a:t>Tarif préférentiel garanti à vie</a:t>
+              <a:t>Tarif préférentiel garanti </a:t>
+            </a:r>
+            <a:r>
+              <a:rPr lang="en-US" sz="1200" dirty="0" err="1">
+                <a:solidFill>
+                  <a:srgbClr val="FFFFFF"/>
+                </a:solidFill>
+              </a:rPr>
+              <a:t>à</a:t>
+            </a:r>
+            <a:r>
+              <a:rPr lang="en-US" sz="1200" dirty="0">
+                <a:solidFill>
+                  <a:srgbClr val="FFFFFF"/>
+                </a:solidFill>
+              </a:rPr>
+              <a:t> vie</a:t>
             </a:r>
             <a:endParaRPr lang="en-US" sz="1200" dirty="0"/>
           </a:p>
@@ -9997,12 +10013,20 @@
               <a:buNone/>
             </a:pPr>
             <a:r>
+              <a:rPr lang="en-US" sz="1050" dirty="0" err="1">
+                <a:solidFill>
+                  <a:srgbClr val="FFFFFF"/>
+                </a:solidFill>
+              </a:rPr>
+              <a:t>Sécurisation</a:t>
+            </a:r>
+            <a:r>
               <a:rPr lang="en-US" sz="1050" dirty="0">
                 <a:solidFill>
                   <a:srgbClr val="FFFFFF"/>
                 </a:solidFill>
               </a:rPr>
-              <a:t>Infrastructure &amp; Auth</a:t>
+              <a:t> Infrastructure</a:t>
             </a:r>
             <a:endParaRPr lang="en-US" sz="1050" dirty="0"/>
           </a:p>
@@ -10057,12 +10081,20 @@
               <a:buNone/>
             </a:pPr>
             <a:r>
+              <a:rPr lang="en-US" sz="1050" dirty="0" err="1">
+                <a:solidFill>
+                  <a:srgbClr val="FFFFFF"/>
+                </a:solidFill>
+              </a:rPr>
+              <a:t>Chargement</a:t>
+            </a:r>
+            <a:r>
               <a:rPr lang="en-US" sz="1050" dirty="0">
                 <a:solidFill>
                   <a:srgbClr val="FFFFFF"/>
                 </a:solidFill>
               </a:rPr>
-              <a:t>Upload &amp; analyse IA</a:t>
+              <a:t> &amp; analyse IA</a:t>
             </a:r>
             <a:endParaRPr lang="en-US" sz="1050" dirty="0"/>
           </a:p>
